--- a/review/lecture-review-week-6.pptx
+++ b/review/lecture-review-week-6.pptx
@@ -269,7 +269,7 @@
           <a:p>
             <a:fld id="{DAC1E4EF-1A07-8740-80B6-D041CCD5E262}" type="datetimeFigureOut">
               <a:rPr lang="en-US" smtClean="0"/>
-              <a:t>8/19/18</a:t>
+              <a:t>10/14/18</a:t>
             </a:fld>
             <a:endParaRPr lang="en-US"/>
           </a:p>
@@ -467,7 +467,7 @@
           <a:p>
             <a:fld id="{DAC1E4EF-1A07-8740-80B6-D041CCD5E262}" type="datetimeFigureOut">
               <a:rPr lang="en-US" smtClean="0"/>
-              <a:t>8/19/18</a:t>
+              <a:t>10/14/18</a:t>
             </a:fld>
             <a:endParaRPr lang="en-US"/>
           </a:p>
@@ -675,7 +675,7 @@
           <a:p>
             <a:fld id="{DAC1E4EF-1A07-8740-80B6-D041CCD5E262}" type="datetimeFigureOut">
               <a:rPr lang="en-US" smtClean="0"/>
-              <a:t>8/19/18</a:t>
+              <a:t>10/14/18</a:t>
             </a:fld>
             <a:endParaRPr lang="en-US"/>
           </a:p>
@@ -873,7 +873,7 @@
           <a:p>
             <a:fld id="{DAC1E4EF-1A07-8740-80B6-D041CCD5E262}" type="datetimeFigureOut">
               <a:rPr lang="en-US" smtClean="0"/>
-              <a:t>8/19/18</a:t>
+              <a:t>10/14/18</a:t>
             </a:fld>
             <a:endParaRPr lang="en-US"/>
           </a:p>
@@ -1148,7 +1148,7 @@
           <a:p>
             <a:fld id="{DAC1E4EF-1A07-8740-80B6-D041CCD5E262}" type="datetimeFigureOut">
               <a:rPr lang="en-US" smtClean="0"/>
-              <a:t>8/19/18</a:t>
+              <a:t>10/14/18</a:t>
             </a:fld>
             <a:endParaRPr lang="en-US"/>
           </a:p>
@@ -1413,7 +1413,7 @@
           <a:p>
             <a:fld id="{DAC1E4EF-1A07-8740-80B6-D041CCD5E262}" type="datetimeFigureOut">
               <a:rPr lang="en-US" smtClean="0"/>
-              <a:t>8/19/18</a:t>
+              <a:t>10/14/18</a:t>
             </a:fld>
             <a:endParaRPr lang="en-US"/>
           </a:p>
@@ -1825,7 +1825,7 @@
           <a:p>
             <a:fld id="{DAC1E4EF-1A07-8740-80B6-D041CCD5E262}" type="datetimeFigureOut">
               <a:rPr lang="en-US" smtClean="0"/>
-              <a:t>8/19/18</a:t>
+              <a:t>10/14/18</a:t>
             </a:fld>
             <a:endParaRPr lang="en-US"/>
           </a:p>
@@ -1966,7 +1966,7 @@
           <a:p>
             <a:fld id="{DAC1E4EF-1A07-8740-80B6-D041CCD5E262}" type="datetimeFigureOut">
               <a:rPr lang="en-US" smtClean="0"/>
-              <a:t>8/19/18</a:t>
+              <a:t>10/14/18</a:t>
             </a:fld>
             <a:endParaRPr lang="en-US"/>
           </a:p>
@@ -2079,7 +2079,7 @@
           <a:p>
             <a:fld id="{DAC1E4EF-1A07-8740-80B6-D041CCD5E262}" type="datetimeFigureOut">
               <a:rPr lang="en-US" smtClean="0"/>
-              <a:t>8/19/18</a:t>
+              <a:t>10/14/18</a:t>
             </a:fld>
             <a:endParaRPr lang="en-US"/>
           </a:p>
@@ -2390,7 +2390,7 @@
           <a:p>
             <a:fld id="{DAC1E4EF-1A07-8740-80B6-D041CCD5E262}" type="datetimeFigureOut">
               <a:rPr lang="en-US" smtClean="0"/>
-              <a:t>8/19/18</a:t>
+              <a:t>10/14/18</a:t>
             </a:fld>
             <a:endParaRPr lang="en-US"/>
           </a:p>
@@ -2678,7 +2678,7 @@
           <a:p>
             <a:fld id="{DAC1E4EF-1A07-8740-80B6-D041CCD5E262}" type="datetimeFigureOut">
               <a:rPr lang="en-US" smtClean="0"/>
-              <a:t>8/19/18</a:t>
+              <a:t>10/14/18</a:t>
             </a:fld>
             <a:endParaRPr lang="en-US"/>
           </a:p>
@@ -2919,7 +2919,7 @@
           <a:p>
             <a:fld id="{DAC1E4EF-1A07-8740-80B6-D041CCD5E262}" type="datetimeFigureOut">
               <a:rPr lang="en-US" smtClean="0"/>
-              <a:t>8/19/18</a:t>
+              <a:t>10/14/18</a:t>
             </a:fld>
             <a:endParaRPr lang="en-US"/>
           </a:p>

--- a/review/lecture-review-week-6.pptx
+++ b/review/lecture-review-week-6.pptx
@@ -10,12 +10,10 @@
     <p:sldId id="277" r:id="rId4"/>
     <p:sldId id="261" r:id="rId5"/>
     <p:sldId id="262" r:id="rId6"/>
-    <p:sldId id="263" r:id="rId7"/>
-    <p:sldId id="265" r:id="rId8"/>
-    <p:sldId id="266" r:id="rId9"/>
-    <p:sldId id="264" r:id="rId10"/>
-    <p:sldId id="269" r:id="rId11"/>
-    <p:sldId id="278" r:id="rId12"/>
+    <p:sldId id="265" r:id="rId7"/>
+    <p:sldId id="266" r:id="rId8"/>
+    <p:sldId id="269" r:id="rId9"/>
+    <p:sldId id="278" r:id="rId10"/>
   </p:sldIdLst>
   <p:sldSz cx="12192000" cy="6858000"/>
   <p:notesSz cx="6858000" cy="9144000"/>
@@ -269,7 +267,7 @@
           <a:p>
             <a:fld id="{DAC1E4EF-1A07-8740-80B6-D041CCD5E262}" type="datetimeFigureOut">
               <a:rPr lang="en-US" smtClean="0"/>
-              <a:t>10/14/18</a:t>
+              <a:t>7/15/19</a:t>
             </a:fld>
             <a:endParaRPr lang="en-US"/>
           </a:p>
@@ -467,7 +465,7 @@
           <a:p>
             <a:fld id="{DAC1E4EF-1A07-8740-80B6-D041CCD5E262}" type="datetimeFigureOut">
               <a:rPr lang="en-US" smtClean="0"/>
-              <a:t>10/14/18</a:t>
+              <a:t>7/15/19</a:t>
             </a:fld>
             <a:endParaRPr lang="en-US"/>
           </a:p>
@@ -675,7 +673,7 @@
           <a:p>
             <a:fld id="{DAC1E4EF-1A07-8740-80B6-D041CCD5E262}" type="datetimeFigureOut">
               <a:rPr lang="en-US" smtClean="0"/>
-              <a:t>10/14/18</a:t>
+              <a:t>7/15/19</a:t>
             </a:fld>
             <a:endParaRPr lang="en-US"/>
           </a:p>
@@ -873,7 +871,7 @@
           <a:p>
             <a:fld id="{DAC1E4EF-1A07-8740-80B6-D041CCD5E262}" type="datetimeFigureOut">
               <a:rPr lang="en-US" smtClean="0"/>
-              <a:t>10/14/18</a:t>
+              <a:t>7/15/19</a:t>
             </a:fld>
             <a:endParaRPr lang="en-US"/>
           </a:p>
@@ -1148,7 +1146,7 @@
           <a:p>
             <a:fld id="{DAC1E4EF-1A07-8740-80B6-D041CCD5E262}" type="datetimeFigureOut">
               <a:rPr lang="en-US" smtClean="0"/>
-              <a:t>10/14/18</a:t>
+              <a:t>7/15/19</a:t>
             </a:fld>
             <a:endParaRPr lang="en-US"/>
           </a:p>
@@ -1413,7 +1411,7 @@
           <a:p>
             <a:fld id="{DAC1E4EF-1A07-8740-80B6-D041CCD5E262}" type="datetimeFigureOut">
               <a:rPr lang="en-US" smtClean="0"/>
-              <a:t>10/14/18</a:t>
+              <a:t>7/15/19</a:t>
             </a:fld>
             <a:endParaRPr lang="en-US"/>
           </a:p>
@@ -1825,7 +1823,7 @@
           <a:p>
             <a:fld id="{DAC1E4EF-1A07-8740-80B6-D041CCD5E262}" type="datetimeFigureOut">
               <a:rPr lang="en-US" smtClean="0"/>
-              <a:t>10/14/18</a:t>
+              <a:t>7/15/19</a:t>
             </a:fld>
             <a:endParaRPr lang="en-US"/>
           </a:p>
@@ -1966,7 +1964,7 @@
           <a:p>
             <a:fld id="{DAC1E4EF-1A07-8740-80B6-D041CCD5E262}" type="datetimeFigureOut">
               <a:rPr lang="en-US" smtClean="0"/>
-              <a:t>10/14/18</a:t>
+              <a:t>7/15/19</a:t>
             </a:fld>
             <a:endParaRPr lang="en-US"/>
           </a:p>
@@ -2079,7 +2077,7 @@
           <a:p>
             <a:fld id="{DAC1E4EF-1A07-8740-80B6-D041CCD5E262}" type="datetimeFigureOut">
               <a:rPr lang="en-US" smtClean="0"/>
-              <a:t>10/14/18</a:t>
+              <a:t>7/15/19</a:t>
             </a:fld>
             <a:endParaRPr lang="en-US"/>
           </a:p>
@@ -2390,7 +2388,7 @@
           <a:p>
             <a:fld id="{DAC1E4EF-1A07-8740-80B6-D041CCD5E262}" type="datetimeFigureOut">
               <a:rPr lang="en-US" smtClean="0"/>
-              <a:t>10/14/18</a:t>
+              <a:t>7/15/19</a:t>
             </a:fld>
             <a:endParaRPr lang="en-US"/>
           </a:p>
@@ -2678,7 +2676,7 @@
           <a:p>
             <a:fld id="{DAC1E4EF-1A07-8740-80B6-D041CCD5E262}" type="datetimeFigureOut">
               <a:rPr lang="en-US" smtClean="0"/>
-              <a:t>10/14/18</a:t>
+              <a:t>7/15/19</a:t>
             </a:fld>
             <a:endParaRPr lang="en-US"/>
           </a:p>
@@ -2919,7 +2917,7 @@
           <a:p>
             <a:fld id="{DAC1E4EF-1A07-8740-80B6-D041CCD5E262}" type="datetimeFigureOut">
               <a:rPr lang="en-US" smtClean="0"/>
-              <a:t>10/14/18</a:t>
+              <a:t>7/15/19</a:t>
             </a:fld>
             <a:endParaRPr lang="en-US"/>
           </a:p>
@@ -3476,241 +3474,6 @@
 </p:sld>
 </file>
 
-<file path=ppt/slides/slide10.xml><?xml version="1.0" encoding="utf-8"?>
-<p:sld xmlns:a="http://schemas.openxmlformats.org/drawingml/2006/main" xmlns:r="http://schemas.openxmlformats.org/officeDocument/2006/relationships" xmlns:p="http://schemas.openxmlformats.org/presentationml/2006/main">
-  <p:cSld>
-    <p:spTree>
-      <p:nvGrpSpPr>
-        <p:cNvPr id="1" name=""/>
-        <p:cNvGrpSpPr/>
-        <p:nvPr/>
-      </p:nvGrpSpPr>
-      <p:grpSpPr>
-        <a:xfrm>
-          <a:off x="0" y="0"/>
-          <a:ext cx="0" cy="0"/>
-          <a:chOff x="0" y="0"/>
-          <a:chExt cx="0" cy="0"/>
-        </a:xfrm>
-      </p:grpSpPr>
-      <p:sp>
-        <p:nvSpPr>
-          <p:cNvPr id="2" name="Title 1">
-            <a:extLst>
-              <a:ext uri="{FF2B5EF4-FFF2-40B4-BE49-F238E27FC236}">
-                <a16:creationId xmlns:a16="http://schemas.microsoft.com/office/drawing/2014/main" id="{E13FF194-DC87-3B42-A050-6E8E5B014760}"/>
-              </a:ext>
-            </a:extLst>
-          </p:cNvPr>
-          <p:cNvSpPr>
-            <a:spLocks noGrp="1"/>
-          </p:cNvSpPr>
-          <p:nvPr>
-            <p:ph type="title"/>
-          </p:nvPr>
-        </p:nvSpPr>
-        <p:spPr/>
-        <p:txBody>
-          <a:bodyPr/>
-          <a:lstStyle/>
-          <a:p>
-            <a:r>
-              <a:rPr lang="en-US" dirty="0"/>
-              <a:t>Classroom Project</a:t>
-            </a:r>
-          </a:p>
-        </p:txBody>
-      </p:sp>
-      <p:sp>
-        <p:nvSpPr>
-          <p:cNvPr id="3" name="Content Placeholder 2">
-            <a:extLst>
-              <a:ext uri="{FF2B5EF4-FFF2-40B4-BE49-F238E27FC236}">
-                <a16:creationId xmlns:a16="http://schemas.microsoft.com/office/drawing/2014/main" id="{49A699BF-6AED-7348-9DA9-0B24E933E6E3}"/>
-              </a:ext>
-            </a:extLst>
-          </p:cNvPr>
-          <p:cNvSpPr>
-            <a:spLocks noGrp="1"/>
-          </p:cNvSpPr>
-          <p:nvPr>
-            <p:ph idx="1"/>
-          </p:nvPr>
-        </p:nvSpPr>
-        <p:spPr/>
-        <p:txBody>
-          <a:bodyPr/>
-          <a:lstStyle/>
-          <a:p>
-            <a:r>
-              <a:rPr lang="en-US" dirty="0"/>
-              <a:t>Overview: </a:t>
-            </a:r>
-          </a:p>
-          <a:p>
-            <a:pPr lvl="1"/>
-            <a:r>
-              <a:rPr lang="en-US" dirty="0"/>
-              <a:t>Quick overview of Jenkins CI/CD</a:t>
-            </a:r>
-          </a:p>
-          <a:p>
-            <a:pPr lvl="1"/>
-            <a:r>
-              <a:rPr lang="en-US" dirty="0"/>
-              <a:t>Build a small infrastructure pipeline which launches an EC2 instance.</a:t>
-            </a:r>
-          </a:p>
-          <a:p>
-            <a:endParaRPr lang="en-US" dirty="0"/>
-          </a:p>
-          <a:p>
-            <a:r>
-              <a:rPr lang="en-US" dirty="0"/>
-              <a:t>Show me your work when completed!</a:t>
-            </a:r>
-          </a:p>
-          <a:p>
-            <a:endParaRPr lang="en-US" dirty="0"/>
-          </a:p>
-        </p:txBody>
-      </p:sp>
-    </p:spTree>
-    <p:extLst>
-      <p:ext uri="{BB962C8B-B14F-4D97-AF65-F5344CB8AC3E}">
-        <p14:creationId xmlns:p14="http://schemas.microsoft.com/office/powerpoint/2010/main" val="1208524681"/>
-      </p:ext>
-    </p:extLst>
-  </p:cSld>
-  <p:clrMapOvr>
-    <a:masterClrMapping/>
-  </p:clrMapOvr>
-</p:sld>
-</file>
-
-<file path=ppt/slides/slide11.xml><?xml version="1.0" encoding="utf-8"?>
-<p:sld xmlns:a="http://schemas.openxmlformats.org/drawingml/2006/main" xmlns:r="http://schemas.openxmlformats.org/officeDocument/2006/relationships" xmlns:p="http://schemas.openxmlformats.org/presentationml/2006/main">
-  <p:cSld>
-    <p:spTree>
-      <p:nvGrpSpPr>
-        <p:cNvPr id="1" name=""/>
-        <p:cNvGrpSpPr/>
-        <p:nvPr/>
-      </p:nvGrpSpPr>
-      <p:grpSpPr>
-        <a:xfrm>
-          <a:off x="0" y="0"/>
-          <a:ext cx="0" cy="0"/>
-          <a:chOff x="0" y="0"/>
-          <a:chExt cx="0" cy="0"/>
-        </a:xfrm>
-      </p:grpSpPr>
-      <p:sp>
-        <p:nvSpPr>
-          <p:cNvPr id="2" name="Title 1"/>
-          <p:cNvSpPr>
-            <a:spLocks noGrp="1"/>
-          </p:cNvSpPr>
-          <p:nvPr>
-            <p:ph type="title"/>
-          </p:nvPr>
-        </p:nvSpPr>
-        <p:spPr/>
-        <p:txBody>
-          <a:bodyPr/>
-          <a:lstStyle/>
-          <a:p>
-            <a:r>
-              <a:rPr lang="en-US" dirty="0"/>
-              <a:t>Homework</a:t>
-            </a:r>
-          </a:p>
-        </p:txBody>
-      </p:sp>
-      <p:sp>
-        <p:nvSpPr>
-          <p:cNvPr id="3" name="Content Placeholder 2"/>
-          <p:cNvSpPr>
-            <a:spLocks noGrp="1"/>
-          </p:cNvSpPr>
-          <p:nvPr>
-            <p:ph idx="1"/>
-          </p:nvPr>
-        </p:nvSpPr>
-        <p:spPr/>
-        <p:txBody>
-          <a:bodyPr/>
-          <a:lstStyle/>
-          <a:p>
-            <a:r>
-              <a:rPr lang="en-US" dirty="0"/>
-              <a:t>Study for Midterm Exam – Good Luck!</a:t>
-            </a:r>
-          </a:p>
-          <a:p>
-            <a:endParaRPr lang="en-US" dirty="0"/>
-          </a:p>
-          <a:p>
-            <a:r>
-              <a:rPr lang="en-US" dirty="0"/>
-              <a:t>Due after Midterm Exam and by Week 8 class:</a:t>
-            </a:r>
-          </a:p>
-          <a:p>
-            <a:pPr lvl="1"/>
-            <a:r>
-              <a:rPr lang="en-US" dirty="0"/>
-              <a:t>Assignment 6: Elastic Beanstalk</a:t>
-            </a:r>
-          </a:p>
-          <a:p>
-            <a:pPr lvl="1"/>
-            <a:r>
-              <a:rPr lang="en-US" dirty="0"/>
-              <a:t>Read </a:t>
-            </a:r>
-            <a:r>
-              <a:rPr lang="en-US" i="1" dirty="0"/>
-              <a:t>Infrastructure as Code </a:t>
-            </a:r>
-            <a:r>
-              <a:rPr lang="en-US"/>
-              <a:t>Chapters 5 &amp; 6</a:t>
-            </a:r>
-            <a:endParaRPr lang="en-US" dirty="0"/>
-          </a:p>
-          <a:p>
-            <a:pPr lvl="1"/>
-            <a:r>
-              <a:rPr lang="en-US" dirty="0"/>
-              <a:t>Watch Lecture 8 videos</a:t>
-            </a:r>
-          </a:p>
-          <a:p>
-            <a:pPr lvl="1"/>
-            <a:endParaRPr lang="en-US" dirty="0"/>
-          </a:p>
-          <a:p>
-            <a:r>
-              <a:rPr lang="en-US" dirty="0"/>
-              <a:t>Please complete mid-term evaluation form.</a:t>
-            </a:r>
-          </a:p>
-        </p:txBody>
-      </p:sp>
-    </p:spTree>
-    <p:extLst>
-      <p:ext uri="{BB962C8B-B14F-4D97-AF65-F5344CB8AC3E}">
-        <p14:creationId xmlns:p14="http://schemas.microsoft.com/office/powerpoint/2010/main" val="2057519682"/>
-      </p:ext>
-    </p:extLst>
-  </p:cSld>
-  <p:clrMapOvr>
-    <a:masterClrMapping/>
-  </p:clrMapOvr>
-</p:sld>
-</file>
-
 <file path=ppt/slides/slide2.xml><?xml version="1.0" encoding="utf-8"?>
 <p:sld xmlns:a="http://schemas.openxmlformats.org/drawingml/2006/main" xmlns:r="http://schemas.openxmlformats.org/officeDocument/2006/relationships" xmlns:p="http://schemas.openxmlformats.org/presentationml/2006/main">
   <p:cSld>
@@ -3787,12 +3550,6 @@
             <a:r>
               <a:rPr lang="en-US" dirty="0"/>
               <a:t>Lecture review</a:t>
-            </a:r>
-          </a:p>
-          <a:p>
-            <a:r>
-              <a:rPr lang="en-US" dirty="0"/>
-              <a:t>DevOps Practices Discussion</a:t>
             </a:r>
           </a:p>
           <a:p>
@@ -4026,7 +3783,7 @@
         <p:spPr/>
         <p:txBody>
           <a:bodyPr>
-            <a:normAutofit lnSpcReduction="10000"/>
+            <a:normAutofit fontScale="92500" lnSpcReduction="20000"/>
           </a:bodyPr>
           <a:lstStyle/>
           <a:p>
@@ -4051,7 +3808,7 @@
           <a:p>
             <a:r>
               <a:rPr lang="en-US" dirty="0"/>
-              <a:t>3 pillars of DevOps</a:t>
+              <a:t>DevOps CALMS</a:t>
             </a:r>
           </a:p>
           <a:p>
@@ -4072,7 +3829,21 @@
             <a:pPr lvl="1"/>
             <a:r>
               <a:rPr lang="en-US" dirty="0"/>
+              <a:t>Lean</a:t>
+            </a:r>
+          </a:p>
+          <a:p>
+            <a:pPr lvl="1"/>
+            <a:r>
+              <a:rPr lang="en-US" dirty="0"/>
               <a:t>Measurement</a:t>
+            </a:r>
+          </a:p>
+          <a:p>
+            <a:pPr lvl="1"/>
+            <a:r>
+              <a:rPr lang="en-US" dirty="0"/>
+              <a:t>Sharing</a:t>
             </a:r>
           </a:p>
           <a:p>
@@ -4167,18 +3938,12 @@
         <p:spPr/>
         <p:txBody>
           <a:bodyPr>
-            <a:normAutofit lnSpcReduction="10000"/>
+            <a:normAutofit/>
           </a:bodyPr>
           <a:lstStyle/>
           <a:p>
             <a:r>
               <a:rPr lang="en-US" dirty="0"/>
-              <a:t>DevOps = Lean for IT</a:t>
-            </a:r>
-          </a:p>
-          <a:p>
-            <a:r>
-              <a:rPr lang="en-US" dirty="0"/>
               <a:t>Lean</a:t>
             </a:r>
           </a:p>
@@ -4186,58 +3951,7 @@
             <a:pPr lvl="1"/>
             <a:r>
               <a:rPr lang="en-US" dirty="0"/>
-              <a:t>Theory of constraints</a:t>
-            </a:r>
-          </a:p>
-          <a:p>
-            <a:pPr lvl="1"/>
-            <a:r>
-              <a:rPr lang="en-US" dirty="0"/>
-              <a:t>Queuing theory</a:t>
-            </a:r>
-          </a:p>
-          <a:p>
-            <a:pPr lvl="2"/>
-            <a:r>
-              <a:rPr lang="en-US" dirty="0"/>
-              <a:t>Software dev is non-linear and non-deterministic</a:t>
-            </a:r>
-          </a:p>
-          <a:p>
-            <a:pPr lvl="2"/>
-            <a:r>
-              <a:rPr lang="en-US" dirty="0"/>
-              <a:t>Increasing utilization decreases velocity!</a:t>
-            </a:r>
-          </a:p>
-          <a:p>
-            <a:pPr lvl="1"/>
-            <a:r>
-              <a:rPr lang="en-US" dirty="0"/>
               <a:t>Little's Law</a:t>
-            </a:r>
-          </a:p>
-          <a:p>
-            <a:pPr lvl="2"/>
-            <a:r>
-              <a:rPr lang="en-US" dirty="0"/>
-              <a:t>Only way to </a:t>
-            </a:r>
-            <a:r>
-              <a:rPr lang="en-US" u="sng" dirty="0"/>
-              <a:t>maximize</a:t>
-            </a:r>
-            <a:r>
-              <a:rPr lang="en-US" dirty="0"/>
-              <a:t> throughput is by using </a:t>
-            </a:r>
-            <a:r>
-              <a:rPr lang="en-US" u="sng" dirty="0"/>
-              <a:t>small</a:t>
-            </a:r>
-            <a:r>
-              <a:rPr lang="en-US" dirty="0"/>
-              <a:t> batch sizes.</a:t>
             </a:r>
           </a:p>
           <a:p>
@@ -4343,81 +4057,83 @@
         <p:spPr/>
         <p:txBody>
           <a:bodyPr>
-            <a:normAutofit lnSpcReduction="10000"/>
+            <a:normAutofit fontScale="92500" lnSpcReduction="10000"/>
           </a:bodyPr>
           <a:lstStyle/>
           <a:p>
             <a:r>
               <a:rPr lang="en-US" dirty="0"/>
-              <a:t>Transparency</a:t>
+              <a:t>Testing</a:t>
             </a:r>
           </a:p>
           <a:p>
             <a:pPr lvl="1"/>
             <a:r>
               <a:rPr lang="en-US" dirty="0"/>
-              <a:t>Anyone can stop the manufacturing line at any time.</a:t>
+              <a:t>Lean: Shift Left</a:t>
             </a:r>
           </a:p>
           <a:p>
             <a:pPr lvl="1"/>
             <a:r>
               <a:rPr lang="en-US" dirty="0"/>
-              <a:t>#1 priority is to fix the build.</a:t>
+              <a:t>Ice Cream Cone Anti-Pattern</a:t>
             </a:r>
           </a:p>
           <a:p>
             <a:pPr lvl="1"/>
-            <a:r>
-              <a:rPr lang="en-US" dirty="0"/>
-              <a:t>Issues are addressed at postmortem meetings</a:t>
-            </a:r>
-          </a:p>
-          <a:p>
-            <a:pPr lvl="2"/>
-            <a:r>
-              <a:rPr lang="en-US" dirty="0"/>
-              <a:t>Blameless environment</a:t>
-            </a:r>
-          </a:p>
-          <a:p>
-            <a:r>
-              <a:rPr lang="en-US" dirty="0"/>
-              <a:t>Embracing change</a:t>
+            <a:endParaRPr lang="en-US" dirty="0"/>
+          </a:p>
+          <a:p>
+            <a:r>
+              <a:rPr lang="en-US" dirty="0"/>
+              <a:t>Continuous Integration</a:t>
             </a:r>
           </a:p>
           <a:p>
             <a:pPr lvl="1"/>
             <a:r>
               <a:rPr lang="en-US" dirty="0"/>
-              <a:t>The more we change the better we get at it.</a:t>
+              <a:t>All </a:t>
+            </a:r>
+            <a:r>
+              <a:rPr lang="en-US" dirty="0" err="1"/>
+              <a:t>devs</a:t>
+            </a:r>
+            <a:r>
+              <a:rPr lang="en-US" dirty="0"/>
+              <a:t> commit changes to a single mainline branch throughout the day.</a:t>
             </a:r>
           </a:p>
           <a:p>
             <a:pPr lvl="1"/>
             <a:r>
               <a:rPr lang="en-US" dirty="0"/>
-              <a:t>Delaying change leads to bigger batch sizes which leads to greater risk!</a:t>
-            </a:r>
-          </a:p>
-          <a:p>
-            <a:r>
-              <a:rPr lang="en-US" dirty="0"/>
-              <a:t>Automation</a:t>
+              <a:t>All commits generate a build.</a:t>
             </a:r>
           </a:p>
           <a:p>
             <a:pPr lvl="1"/>
             <a:r>
               <a:rPr lang="en-US" dirty="0"/>
-              <a:t>Automate everything!</a:t>
+              <a:t>All builds are tested and potentially releasable.</a:t>
             </a:r>
           </a:p>
           <a:p>
             <a:pPr lvl="1"/>
-            <a:r>
-              <a:rPr lang="en-US" dirty="0"/>
-              <a:t>Software assembly lines (pipelines)</a:t>
+            <a:endParaRPr lang="en-US" dirty="0"/>
+          </a:p>
+          <a:p>
+            <a:r>
+              <a:rPr lang="en-US" dirty="0"/>
+              <a:t>Continuous Delivery: a process which generates a build which may be released.</a:t>
+            </a:r>
+          </a:p>
+          <a:p>
+            <a:pPr lvl="1"/>
+            <a:r>
+              <a:rPr lang="en-US" dirty="0"/>
+              <a:t>Frequent deployments of small changes</a:t>
             </a:r>
           </a:p>
         </p:txBody>
@@ -4425,7 +4141,7 @@
     </p:spTree>
     <p:extLst>
       <p:ext uri="{BB962C8B-B14F-4D97-AF65-F5344CB8AC3E}">
-        <p14:creationId xmlns:p14="http://schemas.microsoft.com/office/powerpoint/2010/main" val="3413926875"/>
+        <p14:creationId xmlns:p14="http://schemas.microsoft.com/office/powerpoint/2010/main" val="606293750"/>
       </p:ext>
     </p:extLst>
   </p:cSld>
@@ -4499,93 +4215,52 @@
         <p:spPr/>
         <p:txBody>
           <a:bodyPr>
-            <a:normAutofit fontScale="92500" lnSpcReduction="10000"/>
+            <a:normAutofit/>
           </a:bodyPr>
           <a:lstStyle/>
           <a:p>
             <a:r>
               <a:rPr lang="en-US" dirty="0"/>
-              <a:t>Testing</a:t>
-            </a:r>
-          </a:p>
-          <a:p>
-            <a:pPr lvl="1"/>
-            <a:r>
-              <a:rPr lang="en-US" dirty="0"/>
-              <a:t>Lean: Shift Left</a:t>
-            </a:r>
-          </a:p>
-          <a:p>
-            <a:pPr lvl="1"/>
-            <a:r>
-              <a:rPr lang="en-US" dirty="0"/>
-              <a:t>Build quality into the product vs. depending on inspection.</a:t>
-            </a:r>
-          </a:p>
-          <a:p>
-            <a:pPr lvl="1"/>
-            <a:r>
-              <a:rPr lang="en-US" dirty="0"/>
-              <a:t>Ice Cream Cone Anti-Pattern</a:t>
-            </a:r>
-          </a:p>
-          <a:p>
-            <a:r>
-              <a:rPr lang="en-US" dirty="0"/>
-              <a:t>Continuous Integration</a:t>
-            </a:r>
-          </a:p>
-          <a:p>
-            <a:pPr lvl="1"/>
-            <a:r>
-              <a:rPr lang="en-US" dirty="0"/>
-              <a:t>All </a:t>
-            </a:r>
-            <a:r>
-              <a:rPr lang="en-US" dirty="0" err="1"/>
-              <a:t>devs</a:t>
-            </a:r>
-            <a:r>
-              <a:rPr lang="en-US" dirty="0"/>
-              <a:t> commit changes to a single mainline branch throughout the day.</a:t>
-            </a:r>
-          </a:p>
-          <a:p>
-            <a:pPr lvl="1"/>
-            <a:r>
-              <a:rPr lang="en-US" dirty="0"/>
-              <a:t>All commits generate a build.</a:t>
-            </a:r>
-          </a:p>
-          <a:p>
-            <a:pPr lvl="1"/>
-            <a:r>
-              <a:rPr lang="en-US" dirty="0"/>
-              <a:t>All builds are tested and potentially releasable.</a:t>
-            </a:r>
-          </a:p>
-          <a:p>
-            <a:r>
-              <a:rPr lang="en-US" dirty="0"/>
-              <a:t>Continuous Delivery: a process which generates a build which may be released.</a:t>
-            </a:r>
-          </a:p>
-          <a:p>
-            <a:r>
-              <a:rPr lang="en-US" dirty="0"/>
-              <a:t>Continuous Deployment: a process which actually deploys a build.</a:t>
+              <a:t>Deployments vs. Releases</a:t>
             </a:r>
           </a:p>
           <a:p>
             <a:pPr lvl="1"/>
             <a:endParaRPr lang="en-US" dirty="0"/>
+          </a:p>
+          <a:p>
+            <a:r>
+              <a:rPr lang="en-US" dirty="0"/>
+              <a:t>Telemetry</a:t>
+            </a:r>
+          </a:p>
+          <a:p>
+            <a:pPr lvl="1"/>
+            <a:r>
+              <a:rPr lang="en-US" dirty="0"/>
+              <a:t>We fanatically collect data.</a:t>
+            </a:r>
+          </a:p>
+          <a:p>
+            <a:pPr lvl="1"/>
+            <a:r>
+              <a:rPr lang="en-US" dirty="0"/>
+              <a:t>All decisions are supported by data.</a:t>
+            </a:r>
+          </a:p>
+          <a:p>
+            <a:pPr lvl="1"/>
+            <a:r>
+              <a:rPr lang="en-US" dirty="0"/>
+              <a:t>Instrumentation (ELK Stack)</a:t>
+            </a:r>
           </a:p>
         </p:txBody>
       </p:sp>
     </p:spTree>
     <p:extLst>
       <p:ext uri="{BB962C8B-B14F-4D97-AF65-F5344CB8AC3E}">
-        <p14:creationId xmlns:p14="http://schemas.microsoft.com/office/powerpoint/2010/main" val="606293750"/>
+        <p14:creationId xmlns:p14="http://schemas.microsoft.com/office/powerpoint/2010/main" val="1907176258"/>
       </p:ext>
     </p:extLst>
   </p:cSld>
@@ -4617,7 +4292,7 @@
           <p:cNvPr id="2" name="Title 1">
             <a:extLst>
               <a:ext uri="{FF2B5EF4-FFF2-40B4-BE49-F238E27FC236}">
-                <a16:creationId xmlns:a16="http://schemas.microsoft.com/office/drawing/2014/main" id="{0369C4F5-37BB-544F-875F-E71CCBC7783F}"/>
+                <a16:creationId xmlns:a16="http://schemas.microsoft.com/office/drawing/2014/main" id="{E13FF194-DC87-3B42-A050-6E8E5B014760}"/>
               </a:ext>
             </a:extLst>
           </p:cNvPr>
@@ -4635,7 +4310,7 @@
           <a:p>
             <a:r>
               <a:rPr lang="en-US" dirty="0"/>
-              <a:t>Lecture Review</a:t>
+              <a:t>Classroom Project</a:t>
             </a:r>
           </a:p>
         </p:txBody>
@@ -4645,7 +4320,7 @@
           <p:cNvPr id="3" name="Content Placeholder 2">
             <a:extLst>
               <a:ext uri="{FF2B5EF4-FFF2-40B4-BE49-F238E27FC236}">
-                <a16:creationId xmlns:a16="http://schemas.microsoft.com/office/drawing/2014/main" id="{7B34BD81-0456-EE4A-8044-57DBD9B85993}"/>
+                <a16:creationId xmlns:a16="http://schemas.microsoft.com/office/drawing/2014/main" id="{49A699BF-6AED-7348-9DA9-0B24E933E6E3}"/>
               </a:ext>
             </a:extLst>
           </p:cNvPr>
@@ -4658,91 +4333,36 @@
         </p:nvSpPr>
         <p:spPr/>
         <p:txBody>
-          <a:bodyPr>
-            <a:normAutofit/>
-          </a:bodyPr>
-          <a:lstStyle/>
-          <a:p>
-            <a:r>
-              <a:rPr lang="en-US" dirty="0"/>
-              <a:t>Infrastructure as Code</a:t>
+          <a:bodyPr/>
+          <a:lstStyle/>
+          <a:p>
+            <a:r>
+              <a:rPr lang="en-US" dirty="0"/>
+              <a:t>Overview: </a:t>
             </a:r>
           </a:p>
           <a:p>
             <a:pPr lvl="1"/>
             <a:r>
               <a:rPr lang="en-US" dirty="0"/>
-              <a:t>We can use software development practices to build infrastructure.</a:t>
+              <a:t>Quick overview of Jenkins CI/CD</a:t>
             </a:r>
           </a:p>
           <a:p>
             <a:pPr lvl="1"/>
             <a:r>
               <a:rPr lang="en-US" dirty="0"/>
-              <a:t>Version control, </a:t>
-            </a:r>
-            <a:r>
-              <a:rPr lang="en-US" dirty="0" err="1"/>
-              <a:t>linting</a:t>
-            </a:r>
-            <a:r>
-              <a:rPr lang="en-US" dirty="0"/>
-              <a:t>, integration tests, build pipelines</a:t>
-            </a:r>
-          </a:p>
-          <a:p>
-            <a:r>
-              <a:rPr lang="en-US" dirty="0"/>
-              <a:t>Metrics</a:t>
-            </a:r>
-          </a:p>
-          <a:p>
-            <a:pPr lvl="1"/>
-            <a:r>
-              <a:rPr lang="en-US" dirty="0"/>
-              <a:t>We fanatically collect data.</a:t>
-            </a:r>
-          </a:p>
-          <a:p>
-            <a:pPr lvl="1"/>
-            <a:r>
-              <a:rPr lang="en-US" dirty="0"/>
-              <a:t>All decisions are supported by data.</a:t>
-            </a:r>
-          </a:p>
-          <a:p>
-            <a:pPr lvl="1"/>
-            <a:r>
-              <a:rPr lang="en-US" dirty="0"/>
-              <a:t>ELK Stack (</a:t>
-            </a:r>
-            <a:r>
-              <a:rPr lang="en-US" dirty="0" err="1"/>
-              <a:t>Elasticsearch</a:t>
-            </a:r>
-            <a:r>
-              <a:rPr lang="en-US" dirty="0"/>
-              <a:t>, </a:t>
-            </a:r>
-            <a:r>
-              <a:rPr lang="en-US" dirty="0" err="1"/>
-              <a:t>Logstash</a:t>
-            </a:r>
-            <a:r>
-              <a:rPr lang="en-US" dirty="0"/>
-              <a:t>, </a:t>
-            </a:r>
-            <a:r>
-              <a:rPr lang="en-US" dirty="0" err="1"/>
-              <a:t>Kibana</a:t>
-            </a:r>
-            <a:r>
-              <a:rPr lang="en-US" dirty="0"/>
-              <a:t>)</a:t>
+              <a:t>Build a small infrastructure pipeline which launches an EC2 instance.</a:t>
             </a:r>
           </a:p>
           <a:p>
             <a:endParaRPr lang="en-US" dirty="0"/>
+          </a:p>
+          <a:p>
+            <a:r>
+              <a:rPr lang="en-US" dirty="0"/>
+              <a:t>Show me your work when completed!</a:t>
+            </a:r>
           </a:p>
           <a:p>
             <a:endParaRPr lang="en-US" dirty="0"/>
@@ -4752,7 +4372,7 @@
     </p:spTree>
     <p:extLst>
       <p:ext uri="{BB962C8B-B14F-4D97-AF65-F5344CB8AC3E}">
-        <p14:creationId xmlns:p14="http://schemas.microsoft.com/office/powerpoint/2010/main" val="1907176258"/>
+        <p14:creationId xmlns:p14="http://schemas.microsoft.com/office/powerpoint/2010/main" val="1208524681"/>
       </p:ext>
     </p:extLst>
   </p:cSld>
@@ -4781,13 +4401,7 @@
       </p:grpSpPr>
       <p:sp>
         <p:nvSpPr>
-          <p:cNvPr id="2" name="Title 1">
-            <a:extLst>
-              <a:ext uri="{FF2B5EF4-FFF2-40B4-BE49-F238E27FC236}">
-                <a16:creationId xmlns:a16="http://schemas.microsoft.com/office/drawing/2014/main" id="{45BE7849-08E6-6548-A1D8-CFB5A9B9A987}"/>
-              </a:ext>
-            </a:extLst>
-          </p:cNvPr>
+          <p:cNvPr id="2" name="Title 1"/>
           <p:cNvSpPr>
             <a:spLocks noGrp="1"/>
           </p:cNvSpPr>
@@ -4802,20 +4416,14 @@
           <a:p>
             <a:r>
               <a:rPr lang="en-US" dirty="0"/>
-              <a:t>DevOps Practices Discussion</a:t>
-            </a:r>
-          </a:p>
-        </p:txBody>
-      </p:sp>
-      <p:sp>
-        <p:nvSpPr>
-          <p:cNvPr id="3" name="Content Placeholder 2">
-            <a:extLst>
-              <a:ext uri="{FF2B5EF4-FFF2-40B4-BE49-F238E27FC236}">
-                <a16:creationId xmlns:a16="http://schemas.microsoft.com/office/drawing/2014/main" id="{1990FF79-23E4-AE41-A99B-52A29762D377}"/>
-              </a:ext>
-            </a:extLst>
-          </p:cNvPr>
+              <a:t>Homework</a:t>
+            </a:r>
+          </a:p>
+        </p:txBody>
+      </p:sp>
+      <p:sp>
+        <p:nvSpPr>
+          <p:cNvPr id="3" name="Content Placeholder 2"/>
           <p:cNvSpPr>
             <a:spLocks noGrp="1"/>
           </p:cNvSpPr>
@@ -4825,44 +4433,39 @@
         </p:nvSpPr>
         <p:spPr/>
         <p:txBody>
-          <a:bodyPr>
-            <a:normAutofit fontScale="92500" lnSpcReduction="20000"/>
-          </a:bodyPr>
-          <a:lstStyle/>
-          <a:p>
-            <a:r>
-              <a:rPr lang="en-US" dirty="0"/>
-              <a:t>Please reflect on the following questions and prepare to discuss:</a:t>
+          <a:bodyPr/>
+          <a:lstStyle/>
+          <a:p>
+            <a:r>
+              <a:rPr lang="en-US" dirty="0"/>
+              <a:t>Study for Midterm Exam – Good Luck!</a:t>
             </a:r>
           </a:p>
           <a:p>
             <a:endParaRPr lang="en-US" dirty="0"/>
           </a:p>
           <a:p>
+            <a:r>
+              <a:rPr lang="en-US" dirty="0"/>
+              <a:t>Due after Midterm Exam and by Week 8 class:</a:t>
+            </a:r>
+          </a:p>
+          <a:p>
             <a:pPr lvl="1"/>
             <a:r>
-              <a:rPr lang="en-US" b="1" dirty="0"/>
-              <a:t>How do the development and operations teams work together in your organization?</a:t>
-            </a:r>
-          </a:p>
-          <a:p>
-            <a:pPr marL="457200" lvl="1" indent="0">
-              <a:buNone/>
-            </a:pPr>
-            <a:endParaRPr lang="en-US" dirty="0"/>
+              <a:rPr lang="en-US" dirty="0"/>
+              <a:t>Assignment 6: Elastic Beanstalk</a:t>
+            </a:r>
           </a:p>
           <a:p>
             <a:pPr lvl="1"/>
             <a:r>
-              <a:rPr lang="en-US" b="1" dirty="0"/>
-              <a:t>How often does your organization deploy new software updates? </a:t>
-            </a:r>
-          </a:p>
-          <a:p>
-            <a:pPr lvl="2"/>
-            <a:r>
-              <a:rPr lang="en-US" dirty="0"/>
-              <a:t>What would it take to deploy faster?</a:t>
+              <a:rPr lang="en-US"/>
+              <a:t>Watch </a:t>
+            </a:r>
+            <a:r>
+              <a:rPr lang="en-US" dirty="0"/>
+              <a:t>Lecture 8 videos</a:t>
             </a:r>
           </a:p>
           <a:p>
@@ -4870,57 +4473,17 @@
             <a:endParaRPr lang="en-US" dirty="0"/>
           </a:p>
           <a:p>
-            <a:pPr lvl="1"/>
-            <a:r>
-              <a:rPr lang="en-US" b="1" dirty="0"/>
-              <a:t>Any concerns about developers participating in the delivery of production services? </a:t>
-            </a:r>
-          </a:p>
-          <a:p>
-            <a:pPr lvl="1"/>
-            <a:endParaRPr lang="en-US" dirty="0"/>
-          </a:p>
-          <a:p>
-            <a:pPr lvl="1"/>
-            <a:r>
-              <a:rPr lang="en-US" b="1" dirty="0"/>
-              <a:t>Is your organization practicing continuous integration? </a:t>
-            </a:r>
-          </a:p>
-          <a:p>
-            <a:pPr lvl="2"/>
-            <a:r>
-              <a:rPr lang="en-US" dirty="0"/>
-              <a:t>If not, what's preventing it from doing so? </a:t>
-            </a:r>
-          </a:p>
-          <a:p>
-            <a:pPr lvl="2"/>
-            <a:r>
-              <a:rPr lang="en-US" dirty="0"/>
-              <a:t>How often do developers commit new code changes?</a:t>
-            </a:r>
-          </a:p>
-          <a:p>
-            <a:pPr lvl="1"/>
-            <a:endParaRPr lang="en-US" dirty="0"/>
-          </a:p>
-          <a:p>
-            <a:pPr lvl="1"/>
-            <a:endParaRPr lang="en-US" dirty="0"/>
-          </a:p>
-          <a:p>
-            <a:pPr marL="457200" lvl="1" indent="0">
-              <a:buNone/>
-            </a:pPr>
-            <a:endParaRPr lang="en-US" dirty="0"/>
+            <a:r>
+              <a:rPr lang="en-US" dirty="0"/>
+              <a:t>Please complete mid-term evaluation form.</a:t>
+            </a:r>
           </a:p>
         </p:txBody>
       </p:sp>
     </p:spTree>
     <p:extLst>
       <p:ext uri="{BB962C8B-B14F-4D97-AF65-F5344CB8AC3E}">
-        <p14:creationId xmlns:p14="http://schemas.microsoft.com/office/powerpoint/2010/main" val="187189079"/>
+        <p14:creationId xmlns:p14="http://schemas.microsoft.com/office/powerpoint/2010/main" val="2057519682"/>
       </p:ext>
     </p:extLst>
   </p:cSld>

--- a/review/lecture-review-week-6.pptx
+++ b/review/lecture-review-week-6.pptx
@@ -12,8 +12,8 @@
     <p:sldId id="262" r:id="rId6"/>
     <p:sldId id="265" r:id="rId7"/>
     <p:sldId id="266" r:id="rId8"/>
-    <p:sldId id="269" r:id="rId9"/>
-    <p:sldId id="278" r:id="rId10"/>
+    <p:sldId id="278" r:id="rId9"/>
+    <p:sldId id="269" r:id="rId10"/>
   </p:sldIdLst>
   <p:sldSz cx="12192000" cy="6858000"/>
   <p:notesSz cx="6858000" cy="9144000"/>
@@ -267,7 +267,7 @@
           <a:p>
             <a:fld id="{DAC1E4EF-1A07-8740-80B6-D041CCD5E262}" type="datetimeFigureOut">
               <a:rPr lang="en-US" smtClean="0"/>
-              <a:t>7/15/19</a:t>
+              <a:t>10/13/19</a:t>
             </a:fld>
             <a:endParaRPr lang="en-US"/>
           </a:p>
@@ -465,7 +465,7 @@
           <a:p>
             <a:fld id="{DAC1E4EF-1A07-8740-80B6-D041CCD5E262}" type="datetimeFigureOut">
               <a:rPr lang="en-US" smtClean="0"/>
-              <a:t>7/15/19</a:t>
+              <a:t>10/13/19</a:t>
             </a:fld>
             <a:endParaRPr lang="en-US"/>
           </a:p>
@@ -673,7 +673,7 @@
           <a:p>
             <a:fld id="{DAC1E4EF-1A07-8740-80B6-D041CCD5E262}" type="datetimeFigureOut">
               <a:rPr lang="en-US" smtClean="0"/>
-              <a:t>7/15/19</a:t>
+              <a:t>10/13/19</a:t>
             </a:fld>
             <a:endParaRPr lang="en-US"/>
           </a:p>
@@ -871,7 +871,7 @@
           <a:p>
             <a:fld id="{DAC1E4EF-1A07-8740-80B6-D041CCD5E262}" type="datetimeFigureOut">
               <a:rPr lang="en-US" smtClean="0"/>
-              <a:t>7/15/19</a:t>
+              <a:t>10/13/19</a:t>
             </a:fld>
             <a:endParaRPr lang="en-US"/>
           </a:p>
@@ -1146,7 +1146,7 @@
           <a:p>
             <a:fld id="{DAC1E4EF-1A07-8740-80B6-D041CCD5E262}" type="datetimeFigureOut">
               <a:rPr lang="en-US" smtClean="0"/>
-              <a:t>7/15/19</a:t>
+              <a:t>10/13/19</a:t>
             </a:fld>
             <a:endParaRPr lang="en-US"/>
           </a:p>
@@ -1411,7 +1411,7 @@
           <a:p>
             <a:fld id="{DAC1E4EF-1A07-8740-80B6-D041CCD5E262}" type="datetimeFigureOut">
               <a:rPr lang="en-US" smtClean="0"/>
-              <a:t>7/15/19</a:t>
+              <a:t>10/13/19</a:t>
             </a:fld>
             <a:endParaRPr lang="en-US"/>
           </a:p>
@@ -1823,7 +1823,7 @@
           <a:p>
             <a:fld id="{DAC1E4EF-1A07-8740-80B6-D041CCD5E262}" type="datetimeFigureOut">
               <a:rPr lang="en-US" smtClean="0"/>
-              <a:t>7/15/19</a:t>
+              <a:t>10/13/19</a:t>
             </a:fld>
             <a:endParaRPr lang="en-US"/>
           </a:p>
@@ -1964,7 +1964,7 @@
           <a:p>
             <a:fld id="{DAC1E4EF-1A07-8740-80B6-D041CCD5E262}" type="datetimeFigureOut">
               <a:rPr lang="en-US" smtClean="0"/>
-              <a:t>7/15/19</a:t>
+              <a:t>10/13/19</a:t>
             </a:fld>
             <a:endParaRPr lang="en-US"/>
           </a:p>
@@ -2077,7 +2077,7 @@
           <a:p>
             <a:fld id="{DAC1E4EF-1A07-8740-80B6-D041CCD5E262}" type="datetimeFigureOut">
               <a:rPr lang="en-US" smtClean="0"/>
-              <a:t>7/15/19</a:t>
+              <a:t>10/13/19</a:t>
             </a:fld>
             <a:endParaRPr lang="en-US"/>
           </a:p>
@@ -2388,7 +2388,7 @@
           <a:p>
             <a:fld id="{DAC1E4EF-1A07-8740-80B6-D041CCD5E262}" type="datetimeFigureOut">
               <a:rPr lang="en-US" smtClean="0"/>
-              <a:t>7/15/19</a:t>
+              <a:t>10/13/19</a:t>
             </a:fld>
             <a:endParaRPr lang="en-US"/>
           </a:p>
@@ -2676,7 +2676,7 @@
           <a:p>
             <a:fld id="{DAC1E4EF-1A07-8740-80B6-D041CCD5E262}" type="datetimeFigureOut">
               <a:rPr lang="en-US" smtClean="0"/>
-              <a:t>7/15/19</a:t>
+              <a:t>10/13/19</a:t>
             </a:fld>
             <a:endParaRPr lang="en-US"/>
           </a:p>
@@ -2917,7 +2917,7 @@
           <a:p>
             <a:fld id="{DAC1E4EF-1A07-8740-80B6-D041CCD5E262}" type="datetimeFigureOut">
               <a:rPr lang="en-US" smtClean="0"/>
-              <a:t>7/15/19</a:t>
+              <a:t>10/13/19</a:t>
             </a:fld>
             <a:endParaRPr lang="en-US"/>
           </a:p>
@@ -3783,7 +3783,7 @@
         <p:spPr/>
         <p:txBody>
           <a:bodyPr>
-            <a:normAutofit fontScale="92500" lnSpcReduction="20000"/>
+            <a:normAutofit fontScale="77500" lnSpcReduction="20000"/>
           </a:bodyPr>
           <a:lstStyle/>
           <a:p>
@@ -3793,6 +3793,9 @@
             </a:r>
           </a:p>
           <a:p>
+            <a:endParaRPr lang="en-US" dirty="0"/>
+          </a:p>
+          <a:p>
             <a:r>
               <a:rPr lang="en-US" dirty="0"/>
               <a:t>Development vs. Operations</a:t>
@@ -3806,6 +3809,10 @@
             </a:r>
           </a:p>
           <a:p>
+            <a:pPr lvl="1"/>
+            <a:endParaRPr lang="en-US" dirty="0"/>
+          </a:p>
+          <a:p>
             <a:r>
               <a:rPr lang="en-US" dirty="0"/>
               <a:t>DevOps CALMS</a:t>
@@ -3845,6 +3852,10 @@
               <a:rPr lang="en-US" dirty="0"/>
               <a:t>Sharing</a:t>
             </a:r>
+          </a:p>
+          <a:p>
+            <a:pPr lvl="1"/>
+            <a:endParaRPr lang="en-US" dirty="0"/>
           </a:p>
           <a:p>
             <a:r>
@@ -3955,6 +3966,10 @@
             </a:r>
           </a:p>
           <a:p>
+            <a:pPr lvl="1"/>
+            <a:endParaRPr lang="en-US" dirty="0"/>
+          </a:p>
+          <a:p>
             <a:r>
               <a:rPr lang="en-US" dirty="0"/>
               <a:t>Design for Operations</a:t>
@@ -3976,6 +3991,13 @@
             <a:r>
               <a:rPr lang="en-US" dirty="0"/>
               <a:t> participate in service delivery.</a:t>
+            </a:r>
+          </a:p>
+          <a:p>
+            <a:pPr lvl="1"/>
+            <a:r>
+              <a:rPr lang="en-US" dirty="0"/>
+              <a:t>Modern IT organizations organize around products, not projects.</a:t>
             </a:r>
           </a:p>
         </p:txBody>
@@ -4226,6 +4248,13 @@
           </a:p>
           <a:p>
             <a:pPr lvl="1"/>
+            <a:r>
+              <a:rPr lang="en-US" dirty="0"/>
+              <a:t>Feature flags pattern</a:t>
+            </a:r>
+          </a:p>
+          <a:p>
+            <a:pPr lvl="1"/>
             <a:endParaRPr lang="en-US" dirty="0"/>
           </a:p>
           <a:p>
@@ -4289,13 +4318,7 @@
       </p:grpSpPr>
       <p:sp>
         <p:nvSpPr>
-          <p:cNvPr id="2" name="Title 1">
-            <a:extLst>
-              <a:ext uri="{FF2B5EF4-FFF2-40B4-BE49-F238E27FC236}">
-                <a16:creationId xmlns:a16="http://schemas.microsoft.com/office/drawing/2014/main" id="{E13FF194-DC87-3B42-A050-6E8E5B014760}"/>
-              </a:ext>
-            </a:extLst>
-          </p:cNvPr>
+          <p:cNvPr id="2" name="Title 1"/>
           <p:cNvSpPr>
             <a:spLocks noGrp="1"/>
           </p:cNvSpPr>
@@ -4310,20 +4333,14 @@
           <a:p>
             <a:r>
               <a:rPr lang="en-US" dirty="0"/>
-              <a:t>Classroom Project</a:t>
-            </a:r>
-          </a:p>
-        </p:txBody>
-      </p:sp>
-      <p:sp>
-        <p:nvSpPr>
-          <p:cNvPr id="3" name="Content Placeholder 2">
-            <a:extLst>
-              <a:ext uri="{FF2B5EF4-FFF2-40B4-BE49-F238E27FC236}">
-                <a16:creationId xmlns:a16="http://schemas.microsoft.com/office/drawing/2014/main" id="{49A699BF-6AED-7348-9DA9-0B24E933E6E3}"/>
-              </a:ext>
-            </a:extLst>
-          </p:cNvPr>
+              <a:t>Homework</a:t>
+            </a:r>
+          </a:p>
+        </p:txBody>
+      </p:sp>
+      <p:sp>
+        <p:nvSpPr>
+          <p:cNvPr id="3" name="Content Placeholder 2"/>
           <p:cNvSpPr>
             <a:spLocks noGrp="1"/>
           </p:cNvSpPr>
@@ -4338,41 +4355,48 @@
           <a:p>
             <a:r>
               <a:rPr lang="en-US" dirty="0"/>
-              <a:t>Overview: </a:t>
+              <a:t>Study for Midterm Challenge – Good Luck!</a:t>
+            </a:r>
+          </a:p>
+          <a:p>
+            <a:endParaRPr lang="en-US" dirty="0"/>
+          </a:p>
+          <a:p>
+            <a:r>
+              <a:rPr lang="en-US" dirty="0"/>
+              <a:t>Due after Midterm Challenge and by Week 8 class:</a:t>
             </a:r>
           </a:p>
           <a:p>
             <a:pPr lvl="1"/>
             <a:r>
               <a:rPr lang="en-US" dirty="0"/>
-              <a:t>Quick overview of Jenkins CI/CD</a:t>
+              <a:t>Assignment 6: Elastic Beanstalk</a:t>
             </a:r>
           </a:p>
           <a:p>
             <a:pPr lvl="1"/>
             <a:r>
               <a:rPr lang="en-US" dirty="0"/>
-              <a:t>Build a small infrastructure pipeline which launches an EC2 instance.</a:t>
-            </a:r>
-          </a:p>
-          <a:p>
+              <a:t>Watch Lecture 8 videos (wait until after Midterm)</a:t>
+            </a:r>
+          </a:p>
+          <a:p>
+            <a:pPr lvl="1"/>
             <a:endParaRPr lang="en-US" dirty="0"/>
           </a:p>
           <a:p>
             <a:r>
               <a:rPr lang="en-US" dirty="0"/>
-              <a:t>Show me your work when completed!</a:t>
-            </a:r>
-          </a:p>
-          <a:p>
-            <a:endParaRPr lang="en-US" dirty="0"/>
+              <a:t>Please complete mid-term evaluation form.</a:t>
+            </a:r>
           </a:p>
         </p:txBody>
       </p:sp>
     </p:spTree>
     <p:extLst>
       <p:ext uri="{BB962C8B-B14F-4D97-AF65-F5344CB8AC3E}">
-        <p14:creationId xmlns:p14="http://schemas.microsoft.com/office/powerpoint/2010/main" val="1208524681"/>
+        <p14:creationId xmlns:p14="http://schemas.microsoft.com/office/powerpoint/2010/main" val="2057519682"/>
       </p:ext>
     </p:extLst>
   </p:cSld>
@@ -4401,7 +4425,13 @@
       </p:grpSpPr>
       <p:sp>
         <p:nvSpPr>
-          <p:cNvPr id="2" name="Title 1"/>
+          <p:cNvPr id="2" name="Title 1">
+            <a:extLst>
+              <a:ext uri="{FF2B5EF4-FFF2-40B4-BE49-F238E27FC236}">
+                <a16:creationId xmlns:a16="http://schemas.microsoft.com/office/drawing/2014/main" id="{E13FF194-DC87-3B42-A050-6E8E5B014760}"/>
+              </a:ext>
+            </a:extLst>
+          </p:cNvPr>
           <p:cNvSpPr>
             <a:spLocks noGrp="1"/>
           </p:cNvSpPr>
@@ -4416,14 +4446,20 @@
           <a:p>
             <a:r>
               <a:rPr lang="en-US" dirty="0"/>
-              <a:t>Homework</a:t>
-            </a:r>
-          </a:p>
-        </p:txBody>
-      </p:sp>
-      <p:sp>
-        <p:nvSpPr>
-          <p:cNvPr id="3" name="Content Placeholder 2"/>
+              <a:t>Classroom Project</a:t>
+            </a:r>
+          </a:p>
+        </p:txBody>
+      </p:sp>
+      <p:sp>
+        <p:nvSpPr>
+          <p:cNvPr id="3" name="Content Placeholder 2">
+            <a:extLst>
+              <a:ext uri="{FF2B5EF4-FFF2-40B4-BE49-F238E27FC236}">
+                <a16:creationId xmlns:a16="http://schemas.microsoft.com/office/drawing/2014/main" id="{49A699BF-6AED-7348-9DA9-0B24E933E6E3}"/>
+              </a:ext>
+            </a:extLst>
+          </p:cNvPr>
           <p:cNvSpPr>
             <a:spLocks noGrp="1"/>
           </p:cNvSpPr>
@@ -4438,34 +4474,28 @@
           <a:p>
             <a:r>
               <a:rPr lang="en-US" dirty="0"/>
-              <a:t>Study for Midterm Exam – Good Luck!</a:t>
-            </a:r>
-          </a:p>
-          <a:p>
-            <a:endParaRPr lang="en-US" dirty="0"/>
-          </a:p>
-          <a:p>
-            <a:r>
-              <a:rPr lang="en-US" dirty="0"/>
-              <a:t>Due after Midterm Exam and by Week 8 class:</a:t>
+              <a:t>Overview: </a:t>
             </a:r>
           </a:p>
           <a:p>
             <a:pPr lvl="1"/>
             <a:r>
               <a:rPr lang="en-US" dirty="0"/>
-              <a:t>Assignment 6: Elastic Beanstalk</a:t>
+              <a:t>Launch and configure an ELK stack to collect telemetry data.</a:t>
             </a:r>
           </a:p>
           <a:p>
             <a:pPr lvl="1"/>
             <a:r>
-              <a:rPr lang="en-US"/>
-              <a:t>Watch </a:t>
-            </a:r>
-            <a:r>
-              <a:rPr lang="en-US" dirty="0"/>
-              <a:t>Lecture 8 videos</a:t>
+              <a:rPr lang="en-US" dirty="0"/>
+              <a:t>Generate telemetry using a load testing tool.</a:t>
+            </a:r>
+          </a:p>
+          <a:p>
+            <a:pPr lvl="1"/>
+            <a:r>
+              <a:rPr lang="en-US" dirty="0"/>
+              <a:t>Analyze the telemetry data.</a:t>
             </a:r>
           </a:p>
           <a:p>
@@ -4475,15 +4505,18 @@
           <a:p>
             <a:r>
               <a:rPr lang="en-US" dirty="0"/>
-              <a:t>Please complete mid-term evaluation form.</a:t>
-            </a:r>
+              <a:t>Tell me what you insights you discovered about the data!</a:t>
+            </a:r>
+          </a:p>
+          <a:p>
+            <a:endParaRPr lang="en-US" dirty="0"/>
           </a:p>
         </p:txBody>
       </p:sp>
     </p:spTree>
     <p:extLst>
       <p:ext uri="{BB962C8B-B14F-4D97-AF65-F5344CB8AC3E}">
-        <p14:creationId xmlns:p14="http://schemas.microsoft.com/office/powerpoint/2010/main" val="2057519682"/>
+        <p14:creationId xmlns:p14="http://schemas.microsoft.com/office/powerpoint/2010/main" val="1208524681"/>
       </p:ext>
     </p:extLst>
   </p:cSld>

--- a/review/lecture-review-week-6.pptx
+++ b/review/lecture-review-week-6.pptx
@@ -267,7 +267,7 @@
           <a:p>
             <a:fld id="{DAC1E4EF-1A07-8740-80B6-D041CCD5E262}" type="datetimeFigureOut">
               <a:rPr lang="en-US" smtClean="0"/>
-              <a:t>10/13/19</a:t>
+              <a:t>8/10/20</a:t>
             </a:fld>
             <a:endParaRPr lang="en-US"/>
           </a:p>
@@ -465,7 +465,7 @@
           <a:p>
             <a:fld id="{DAC1E4EF-1A07-8740-80B6-D041CCD5E262}" type="datetimeFigureOut">
               <a:rPr lang="en-US" smtClean="0"/>
-              <a:t>10/13/19</a:t>
+              <a:t>8/10/20</a:t>
             </a:fld>
             <a:endParaRPr lang="en-US"/>
           </a:p>
@@ -673,7 +673,7 @@
           <a:p>
             <a:fld id="{DAC1E4EF-1A07-8740-80B6-D041CCD5E262}" type="datetimeFigureOut">
               <a:rPr lang="en-US" smtClean="0"/>
-              <a:t>10/13/19</a:t>
+              <a:t>8/10/20</a:t>
             </a:fld>
             <a:endParaRPr lang="en-US"/>
           </a:p>
@@ -871,7 +871,7 @@
           <a:p>
             <a:fld id="{DAC1E4EF-1A07-8740-80B6-D041CCD5E262}" type="datetimeFigureOut">
               <a:rPr lang="en-US" smtClean="0"/>
-              <a:t>10/13/19</a:t>
+              <a:t>8/10/20</a:t>
             </a:fld>
             <a:endParaRPr lang="en-US"/>
           </a:p>
@@ -1146,7 +1146,7 @@
           <a:p>
             <a:fld id="{DAC1E4EF-1A07-8740-80B6-D041CCD5E262}" type="datetimeFigureOut">
               <a:rPr lang="en-US" smtClean="0"/>
-              <a:t>10/13/19</a:t>
+              <a:t>8/10/20</a:t>
             </a:fld>
             <a:endParaRPr lang="en-US"/>
           </a:p>
@@ -1411,7 +1411,7 @@
           <a:p>
             <a:fld id="{DAC1E4EF-1A07-8740-80B6-D041CCD5E262}" type="datetimeFigureOut">
               <a:rPr lang="en-US" smtClean="0"/>
-              <a:t>10/13/19</a:t>
+              <a:t>8/10/20</a:t>
             </a:fld>
             <a:endParaRPr lang="en-US"/>
           </a:p>
@@ -1823,7 +1823,7 @@
           <a:p>
             <a:fld id="{DAC1E4EF-1A07-8740-80B6-D041CCD5E262}" type="datetimeFigureOut">
               <a:rPr lang="en-US" smtClean="0"/>
-              <a:t>10/13/19</a:t>
+              <a:t>8/10/20</a:t>
             </a:fld>
             <a:endParaRPr lang="en-US"/>
           </a:p>
@@ -1964,7 +1964,7 @@
           <a:p>
             <a:fld id="{DAC1E4EF-1A07-8740-80B6-D041CCD5E262}" type="datetimeFigureOut">
               <a:rPr lang="en-US" smtClean="0"/>
-              <a:t>10/13/19</a:t>
+              <a:t>8/10/20</a:t>
             </a:fld>
             <a:endParaRPr lang="en-US"/>
           </a:p>
@@ -2077,7 +2077,7 @@
           <a:p>
             <a:fld id="{DAC1E4EF-1A07-8740-80B6-D041CCD5E262}" type="datetimeFigureOut">
               <a:rPr lang="en-US" smtClean="0"/>
-              <a:t>10/13/19</a:t>
+              <a:t>8/10/20</a:t>
             </a:fld>
             <a:endParaRPr lang="en-US"/>
           </a:p>
@@ -2388,7 +2388,7 @@
           <a:p>
             <a:fld id="{DAC1E4EF-1A07-8740-80B6-D041CCD5E262}" type="datetimeFigureOut">
               <a:rPr lang="en-US" smtClean="0"/>
-              <a:t>10/13/19</a:t>
+              <a:t>8/10/20</a:t>
             </a:fld>
             <a:endParaRPr lang="en-US"/>
           </a:p>
@@ -2676,7 +2676,7 @@
           <a:p>
             <a:fld id="{DAC1E4EF-1A07-8740-80B6-D041CCD5E262}" type="datetimeFigureOut">
               <a:rPr lang="en-US" smtClean="0"/>
-              <a:t>10/13/19</a:t>
+              <a:t>8/10/20</a:t>
             </a:fld>
             <a:endParaRPr lang="en-US"/>
           </a:p>
@@ -2917,7 +2917,7 @@
           <a:p>
             <a:fld id="{DAC1E4EF-1A07-8740-80B6-D041CCD5E262}" type="datetimeFigureOut">
               <a:rPr lang="en-US" smtClean="0"/>
-              <a:t>10/13/19</a:t>
+              <a:t>8/10/20</a:t>
             </a:fld>
             <a:endParaRPr lang="en-US"/>
           </a:p>
@@ -3364,8 +3364,8 @@
               <a:rPr lang="en-US" sz="3600" dirty="0"/>
             </a:br>
             <a:r>
-              <a:rPr lang="en-US" sz="3600" dirty="0"/>
-              <a:t>SEIS 665</a:t>
+              <a:rPr lang="en-US" sz="3600"/>
+              <a:t>SEIS 615</a:t>
             </a:r>
             <a:br>
               <a:rPr lang="en-US" sz="3600" dirty="0"/>

--- a/review/lecture-review-week-6.pptx
+++ b/review/lecture-review-week-6.pptx
@@ -10,10 +10,9 @@
     <p:sldId id="277" r:id="rId4"/>
     <p:sldId id="261" r:id="rId5"/>
     <p:sldId id="262" r:id="rId6"/>
-    <p:sldId id="265" r:id="rId7"/>
-    <p:sldId id="266" r:id="rId8"/>
-    <p:sldId id="278" r:id="rId9"/>
-    <p:sldId id="269" r:id="rId10"/>
+    <p:sldId id="266" r:id="rId7"/>
+    <p:sldId id="278" r:id="rId8"/>
+    <p:sldId id="269" r:id="rId9"/>
   </p:sldIdLst>
   <p:sldSz cx="12192000" cy="6858000"/>
   <p:notesSz cx="6858000" cy="9144000"/>
@@ -267,7 +266,7 @@
           <a:p>
             <a:fld id="{DAC1E4EF-1A07-8740-80B6-D041CCD5E262}" type="datetimeFigureOut">
               <a:rPr lang="en-US" smtClean="0"/>
-              <a:t>8/10/20</a:t>
+              <a:t>9/11/21</a:t>
             </a:fld>
             <a:endParaRPr lang="en-US"/>
           </a:p>
@@ -465,7 +464,7 @@
           <a:p>
             <a:fld id="{DAC1E4EF-1A07-8740-80B6-D041CCD5E262}" type="datetimeFigureOut">
               <a:rPr lang="en-US" smtClean="0"/>
-              <a:t>8/10/20</a:t>
+              <a:t>9/11/21</a:t>
             </a:fld>
             <a:endParaRPr lang="en-US"/>
           </a:p>
@@ -673,7 +672,7 @@
           <a:p>
             <a:fld id="{DAC1E4EF-1A07-8740-80B6-D041CCD5E262}" type="datetimeFigureOut">
               <a:rPr lang="en-US" smtClean="0"/>
-              <a:t>8/10/20</a:t>
+              <a:t>9/11/21</a:t>
             </a:fld>
             <a:endParaRPr lang="en-US"/>
           </a:p>
@@ -871,7 +870,7 @@
           <a:p>
             <a:fld id="{DAC1E4EF-1A07-8740-80B6-D041CCD5E262}" type="datetimeFigureOut">
               <a:rPr lang="en-US" smtClean="0"/>
-              <a:t>8/10/20</a:t>
+              <a:t>9/11/21</a:t>
             </a:fld>
             <a:endParaRPr lang="en-US"/>
           </a:p>
@@ -1146,7 +1145,7 @@
           <a:p>
             <a:fld id="{DAC1E4EF-1A07-8740-80B6-D041CCD5E262}" type="datetimeFigureOut">
               <a:rPr lang="en-US" smtClean="0"/>
-              <a:t>8/10/20</a:t>
+              <a:t>9/11/21</a:t>
             </a:fld>
             <a:endParaRPr lang="en-US"/>
           </a:p>
@@ -1411,7 +1410,7 @@
           <a:p>
             <a:fld id="{DAC1E4EF-1A07-8740-80B6-D041CCD5E262}" type="datetimeFigureOut">
               <a:rPr lang="en-US" smtClean="0"/>
-              <a:t>8/10/20</a:t>
+              <a:t>9/11/21</a:t>
             </a:fld>
             <a:endParaRPr lang="en-US"/>
           </a:p>
@@ -1823,7 +1822,7 @@
           <a:p>
             <a:fld id="{DAC1E4EF-1A07-8740-80B6-D041CCD5E262}" type="datetimeFigureOut">
               <a:rPr lang="en-US" smtClean="0"/>
-              <a:t>8/10/20</a:t>
+              <a:t>9/11/21</a:t>
             </a:fld>
             <a:endParaRPr lang="en-US"/>
           </a:p>
@@ -1964,7 +1963,7 @@
           <a:p>
             <a:fld id="{DAC1E4EF-1A07-8740-80B6-D041CCD5E262}" type="datetimeFigureOut">
               <a:rPr lang="en-US" smtClean="0"/>
-              <a:t>8/10/20</a:t>
+              <a:t>9/11/21</a:t>
             </a:fld>
             <a:endParaRPr lang="en-US"/>
           </a:p>
@@ -2077,7 +2076,7 @@
           <a:p>
             <a:fld id="{DAC1E4EF-1A07-8740-80B6-D041CCD5E262}" type="datetimeFigureOut">
               <a:rPr lang="en-US" smtClean="0"/>
-              <a:t>8/10/20</a:t>
+              <a:t>9/11/21</a:t>
             </a:fld>
             <a:endParaRPr lang="en-US"/>
           </a:p>
@@ -2388,7 +2387,7 @@
           <a:p>
             <a:fld id="{DAC1E4EF-1A07-8740-80B6-D041CCD5E262}" type="datetimeFigureOut">
               <a:rPr lang="en-US" smtClean="0"/>
-              <a:t>8/10/20</a:t>
+              <a:t>9/11/21</a:t>
             </a:fld>
             <a:endParaRPr lang="en-US"/>
           </a:p>
@@ -2676,7 +2675,7 @@
           <a:p>
             <a:fld id="{DAC1E4EF-1A07-8740-80B6-D041CCD5E262}" type="datetimeFigureOut">
               <a:rPr lang="en-US" smtClean="0"/>
-              <a:t>8/10/20</a:t>
+              <a:t>9/11/21</a:t>
             </a:fld>
             <a:endParaRPr lang="en-US"/>
           </a:p>
@@ -2917,7 +2916,7 @@
           <a:p>
             <a:fld id="{DAC1E4EF-1A07-8740-80B6-D041CCD5E262}" type="datetimeFigureOut">
               <a:rPr lang="en-US" smtClean="0"/>
-              <a:t>8/10/20</a:t>
+              <a:t>9/11/21</a:t>
             </a:fld>
             <a:endParaRPr lang="en-US"/>
           </a:p>
@@ -3783,7 +3782,7 @@
         <p:spPr/>
         <p:txBody>
           <a:bodyPr>
-            <a:normAutofit fontScale="77500" lnSpcReduction="20000"/>
+            <a:normAutofit fontScale="92500" lnSpcReduction="20000"/>
           </a:bodyPr>
           <a:lstStyle/>
           <a:p>
@@ -3813,47 +3812,6 @@
             <a:endParaRPr lang="en-US" dirty="0"/>
           </a:p>
           <a:p>
-            <a:r>
-              <a:rPr lang="en-US" dirty="0"/>
-              <a:t>DevOps CALMS</a:t>
-            </a:r>
-          </a:p>
-          <a:p>
-            <a:pPr lvl="1"/>
-            <a:r>
-              <a:rPr lang="en-US" dirty="0"/>
-              <a:t>Culture</a:t>
-            </a:r>
-          </a:p>
-          <a:p>
-            <a:pPr lvl="1"/>
-            <a:r>
-              <a:rPr lang="en-US" dirty="0"/>
-              <a:t>Automation</a:t>
-            </a:r>
-          </a:p>
-          <a:p>
-            <a:pPr lvl="1"/>
-            <a:r>
-              <a:rPr lang="en-US" dirty="0"/>
-              <a:t>Lean</a:t>
-            </a:r>
-          </a:p>
-          <a:p>
-            <a:pPr lvl="1"/>
-            <a:r>
-              <a:rPr lang="en-US" dirty="0"/>
-              <a:t>Measurement</a:t>
-            </a:r>
-          </a:p>
-          <a:p>
-            <a:pPr lvl="1"/>
-            <a:r>
-              <a:rPr lang="en-US" dirty="0"/>
-              <a:t>Sharing</a:t>
-            </a:r>
-          </a:p>
-          <a:p>
             <a:pPr lvl="1"/>
             <a:endParaRPr lang="en-US" dirty="0"/>
           </a:p>
@@ -3868,6 +3826,23 @@
             <a:r>
               <a:rPr lang="en-US" dirty="0"/>
               <a:t>Collaborative, Transparent, Change Oriented</a:t>
+            </a:r>
+          </a:p>
+          <a:p>
+            <a:pPr lvl="1"/>
+            <a:endParaRPr lang="en-US" dirty="0"/>
+          </a:p>
+          <a:p>
+            <a:r>
+              <a:rPr lang="en-US" dirty="0"/>
+              <a:t>Lean</a:t>
+            </a:r>
+          </a:p>
+          <a:p>
+            <a:pPr lvl="1"/>
+            <a:r>
+              <a:rPr lang="en-US" dirty="0"/>
+              <a:t>Little's Law</a:t>
             </a:r>
           </a:p>
         </p:txBody>
@@ -3949,20 +3924,38 @@
         <p:spPr/>
         <p:txBody>
           <a:bodyPr>
-            <a:normAutofit/>
+            <a:normAutofit fontScale="92500" lnSpcReduction="20000"/>
           </a:bodyPr>
           <a:lstStyle/>
           <a:p>
             <a:r>
               <a:rPr lang="en-US" dirty="0"/>
-              <a:t>Lean</a:t>
+              <a:t>Design for Operations</a:t>
             </a:r>
           </a:p>
           <a:p>
             <a:pPr lvl="1"/>
             <a:r>
               <a:rPr lang="en-US" dirty="0"/>
-              <a:t>Little's Law</a:t>
+              <a:t>Operations participates in dev meetings</a:t>
+            </a:r>
+          </a:p>
+          <a:p>
+            <a:pPr lvl="1"/>
+            <a:r>
+              <a:rPr lang="en-US" dirty="0" err="1"/>
+              <a:t>Devs</a:t>
+            </a:r>
+            <a:r>
+              <a:rPr lang="en-US" dirty="0"/>
+              <a:t> participate in service delivery.</a:t>
+            </a:r>
+          </a:p>
+          <a:p>
+            <a:pPr lvl="1"/>
+            <a:r>
+              <a:rPr lang="en-US" dirty="0"/>
+              <a:t>Modern IT organizations organize around products, not projects.</a:t>
             </a:r>
           </a:p>
           <a:p>
@@ -3972,33 +3965,64 @@
           <a:p>
             <a:r>
               <a:rPr lang="en-US" dirty="0"/>
-              <a:t>Design for Operations</a:t>
+              <a:t>Testing</a:t>
             </a:r>
           </a:p>
           <a:p>
             <a:pPr lvl="1"/>
             <a:r>
               <a:rPr lang="en-US" dirty="0"/>
-              <a:t>Operations participates in dev meetings</a:t>
+              <a:t>Lean: Shift Left</a:t>
             </a:r>
           </a:p>
           <a:p>
             <a:pPr lvl="1"/>
             <a:r>
+              <a:rPr lang="en-US" dirty="0"/>
+              <a:t>Ice Cream Cone Anti-Pattern</a:t>
+            </a:r>
+          </a:p>
+          <a:p>
+            <a:pPr lvl="1"/>
+            <a:endParaRPr lang="en-US" dirty="0"/>
+          </a:p>
+          <a:p>
+            <a:r>
+              <a:rPr lang="en-US" dirty="0"/>
+              <a:t>Continuous Integration</a:t>
+            </a:r>
+          </a:p>
+          <a:p>
+            <a:pPr lvl="1"/>
+            <a:r>
+              <a:rPr lang="en-US" dirty="0"/>
+              <a:t>All </a:t>
+            </a:r>
+            <a:r>
               <a:rPr lang="en-US" dirty="0" err="1"/>
-              <a:t>Devs</a:t>
-            </a:r>
-            <a:r>
-              <a:rPr lang="en-US" dirty="0"/>
-              <a:t> participate in service delivery.</a:t>
+              <a:t>devs</a:t>
+            </a:r>
+            <a:r>
+              <a:rPr lang="en-US" dirty="0"/>
+              <a:t> commit changes to a single mainline branch throughout the day.</a:t>
             </a:r>
           </a:p>
           <a:p>
             <a:pPr lvl="1"/>
             <a:r>
               <a:rPr lang="en-US" dirty="0"/>
-              <a:t>Modern IT organizations organize around products, not projects.</a:t>
-            </a:r>
+              <a:t>All commits generate a build.</a:t>
+            </a:r>
+          </a:p>
+          <a:p>
+            <a:pPr lvl="1"/>
+            <a:r>
+              <a:rPr lang="en-US" dirty="0"/>
+              <a:t>All builds are tested and potentially releasable.</a:t>
+            </a:r>
+          </a:p>
+          <a:p>
+            <a:endParaRPr lang="en-US" dirty="0"/>
           </a:p>
         </p:txBody>
       </p:sp>
@@ -4079,27 +4103,20 @@
         <p:spPr/>
         <p:txBody>
           <a:bodyPr>
-            <a:normAutofit fontScale="92500" lnSpcReduction="10000"/>
+            <a:normAutofit/>
           </a:bodyPr>
           <a:lstStyle/>
           <a:p>
             <a:r>
               <a:rPr lang="en-US" dirty="0"/>
-              <a:t>Testing</a:t>
+              <a:t>Deployments vs. Releases</a:t>
             </a:r>
           </a:p>
           <a:p>
             <a:pPr lvl="1"/>
             <a:r>
               <a:rPr lang="en-US" dirty="0"/>
-              <a:t>Lean: Shift Left</a:t>
-            </a:r>
-          </a:p>
-          <a:p>
-            <a:pPr lvl="1"/>
-            <a:r>
-              <a:rPr lang="en-US" dirty="0"/>
-              <a:t>Ice Cream Cone Anti-Pattern</a:t>
+              <a:t>Feature flags pattern</a:t>
             </a:r>
           </a:p>
           <a:p>
@@ -4109,53 +4126,28 @@
           <a:p>
             <a:r>
               <a:rPr lang="en-US" dirty="0"/>
-              <a:t>Continuous Integration</a:t>
+              <a:t>Telemetry</a:t>
             </a:r>
           </a:p>
           <a:p>
             <a:pPr lvl="1"/>
             <a:r>
               <a:rPr lang="en-US" dirty="0"/>
-              <a:t>All </a:t>
-            </a:r>
-            <a:r>
-              <a:rPr lang="en-US" dirty="0" err="1"/>
-              <a:t>devs</a:t>
-            </a:r>
-            <a:r>
-              <a:rPr lang="en-US" dirty="0"/>
-              <a:t> commit changes to a single mainline branch throughout the day.</a:t>
+              <a:t>We fanatically collect data.</a:t>
             </a:r>
           </a:p>
           <a:p>
             <a:pPr lvl="1"/>
             <a:r>
               <a:rPr lang="en-US" dirty="0"/>
-              <a:t>All commits generate a build.</a:t>
+              <a:t>All decisions are supported by data.</a:t>
             </a:r>
           </a:p>
           <a:p>
             <a:pPr lvl="1"/>
             <a:r>
               <a:rPr lang="en-US" dirty="0"/>
-              <a:t>All builds are tested and potentially releasable.</a:t>
-            </a:r>
-          </a:p>
-          <a:p>
-            <a:pPr lvl="1"/>
-            <a:endParaRPr lang="en-US" dirty="0"/>
-          </a:p>
-          <a:p>
-            <a:r>
-              <a:rPr lang="en-US" dirty="0"/>
-              <a:t>Continuous Delivery: a process which generates a build which may be released.</a:t>
-            </a:r>
-          </a:p>
-          <a:p>
-            <a:pPr lvl="1"/>
-            <a:r>
-              <a:rPr lang="en-US" dirty="0"/>
-              <a:t>Frequent deployments of small changes</a:t>
+              <a:t>Instrumentation (ELK Stack)</a:t>
             </a:r>
           </a:p>
         </p:txBody>
@@ -4163,7 +4155,7 @@
     </p:spTree>
     <p:extLst>
       <p:ext uri="{BB962C8B-B14F-4D97-AF65-F5344CB8AC3E}">
-        <p14:creationId xmlns:p14="http://schemas.microsoft.com/office/powerpoint/2010/main" val="606293750"/>
+        <p14:creationId xmlns:p14="http://schemas.microsoft.com/office/powerpoint/2010/main" val="1907176258"/>
       </p:ext>
     </p:extLst>
   </p:cSld>
@@ -4192,13 +4184,7 @@
       </p:grpSpPr>
       <p:sp>
         <p:nvSpPr>
-          <p:cNvPr id="2" name="Title 1">
-            <a:extLst>
-              <a:ext uri="{FF2B5EF4-FFF2-40B4-BE49-F238E27FC236}">
-                <a16:creationId xmlns:a16="http://schemas.microsoft.com/office/drawing/2014/main" id="{0369C4F5-37BB-544F-875F-E71CCBC7783F}"/>
-              </a:ext>
-            </a:extLst>
-          </p:cNvPr>
+          <p:cNvPr id="2" name="Title 1"/>
           <p:cNvSpPr>
             <a:spLocks noGrp="1"/>
           </p:cNvSpPr>
@@ -4213,20 +4199,14 @@
           <a:p>
             <a:r>
               <a:rPr lang="en-US" dirty="0"/>
-              <a:t>Lecture Review</a:t>
-            </a:r>
-          </a:p>
-        </p:txBody>
-      </p:sp>
-      <p:sp>
-        <p:nvSpPr>
-          <p:cNvPr id="3" name="Content Placeholder 2">
-            <a:extLst>
-              <a:ext uri="{FF2B5EF4-FFF2-40B4-BE49-F238E27FC236}">
-                <a16:creationId xmlns:a16="http://schemas.microsoft.com/office/drawing/2014/main" id="{7B34BD81-0456-EE4A-8044-57DBD9B85993}"/>
-              </a:ext>
-            </a:extLst>
-          </p:cNvPr>
+              <a:t>Homework</a:t>
+            </a:r>
+          </a:p>
+        </p:txBody>
+      </p:sp>
+      <p:sp>
+        <p:nvSpPr>
+          <p:cNvPr id="3" name="Content Placeholder 2"/>
           <p:cNvSpPr>
             <a:spLocks noGrp="1"/>
           </p:cNvSpPr>
@@ -4236,21 +4216,35 @@
         </p:nvSpPr>
         <p:spPr/>
         <p:txBody>
-          <a:bodyPr>
-            <a:normAutofit/>
-          </a:bodyPr>
-          <a:lstStyle/>
-          <a:p>
-            <a:r>
-              <a:rPr lang="en-US" dirty="0"/>
-              <a:t>Deployments vs. Releases</a:t>
+          <a:bodyPr/>
+          <a:lstStyle/>
+          <a:p>
+            <a:r>
+              <a:rPr lang="en-US" dirty="0"/>
+              <a:t>Study for Midterm Challenge – Good Luck!</a:t>
+            </a:r>
+          </a:p>
+          <a:p>
+            <a:endParaRPr lang="en-US" dirty="0"/>
+          </a:p>
+          <a:p>
+            <a:r>
+              <a:rPr lang="en-US" dirty="0"/>
+              <a:t>Due after Midterm Challenge and by Week 8 class:</a:t>
             </a:r>
           </a:p>
           <a:p>
             <a:pPr lvl="1"/>
             <a:r>
               <a:rPr lang="en-US" dirty="0"/>
-              <a:t>Feature flags pattern</a:t>
+              <a:t>Assignment 6: Elastic Beanstalk</a:t>
+            </a:r>
+          </a:p>
+          <a:p>
+            <a:pPr lvl="1"/>
+            <a:r>
+              <a:rPr lang="en-US" dirty="0"/>
+              <a:t>Watch Lecture 8 videos (wait until after Midterm)</a:t>
             </a:r>
           </a:p>
           <a:p>
@@ -4260,28 +4254,7 @@
           <a:p>
             <a:r>
               <a:rPr lang="en-US" dirty="0"/>
-              <a:t>Telemetry</a:t>
-            </a:r>
-          </a:p>
-          <a:p>
-            <a:pPr lvl="1"/>
-            <a:r>
-              <a:rPr lang="en-US" dirty="0"/>
-              <a:t>We fanatically collect data.</a:t>
-            </a:r>
-          </a:p>
-          <a:p>
-            <a:pPr lvl="1"/>
-            <a:r>
-              <a:rPr lang="en-US" dirty="0"/>
-              <a:t>All decisions are supported by data.</a:t>
-            </a:r>
-          </a:p>
-          <a:p>
-            <a:pPr lvl="1"/>
-            <a:r>
-              <a:rPr lang="en-US" dirty="0"/>
-              <a:t>Instrumentation (ELK Stack)</a:t>
+              <a:t>Please complete mid-term evaluation survey.</a:t>
             </a:r>
           </a:p>
         </p:txBody>
@@ -4289,7 +4262,7 @@
     </p:spTree>
     <p:extLst>
       <p:ext uri="{BB962C8B-B14F-4D97-AF65-F5344CB8AC3E}">
-        <p14:creationId xmlns:p14="http://schemas.microsoft.com/office/powerpoint/2010/main" val="1907176258"/>
+        <p14:creationId xmlns:p14="http://schemas.microsoft.com/office/powerpoint/2010/main" val="2057519682"/>
       </p:ext>
     </p:extLst>
   </p:cSld>
@@ -4318,7 +4291,13 @@
       </p:grpSpPr>
       <p:sp>
         <p:nvSpPr>
-          <p:cNvPr id="2" name="Title 1"/>
+          <p:cNvPr id="2" name="Title 1">
+            <a:extLst>
+              <a:ext uri="{FF2B5EF4-FFF2-40B4-BE49-F238E27FC236}">
+                <a16:creationId xmlns:a16="http://schemas.microsoft.com/office/drawing/2014/main" id="{E13FF194-DC87-3B42-A050-6E8E5B014760}"/>
+              </a:ext>
+            </a:extLst>
+          </p:cNvPr>
           <p:cNvSpPr>
             <a:spLocks noGrp="1"/>
           </p:cNvSpPr>
@@ -4333,14 +4312,20 @@
           <a:p>
             <a:r>
               <a:rPr lang="en-US" dirty="0"/>
-              <a:t>Homework</a:t>
-            </a:r>
-          </a:p>
-        </p:txBody>
-      </p:sp>
-      <p:sp>
-        <p:nvSpPr>
-          <p:cNvPr id="3" name="Content Placeholder 2"/>
+              <a:t>Classroom Project</a:t>
+            </a:r>
+          </a:p>
+        </p:txBody>
+      </p:sp>
+      <p:sp>
+        <p:nvSpPr>
+          <p:cNvPr id="3" name="Content Placeholder 2">
+            <a:extLst>
+              <a:ext uri="{FF2B5EF4-FFF2-40B4-BE49-F238E27FC236}">
+                <a16:creationId xmlns:a16="http://schemas.microsoft.com/office/drawing/2014/main" id="{49A699BF-6AED-7348-9DA9-0B24E933E6E3}"/>
+              </a:ext>
+            </a:extLst>
+          </p:cNvPr>
           <p:cNvSpPr>
             <a:spLocks noGrp="1"/>
           </p:cNvSpPr>
@@ -4355,30 +4340,28 @@
           <a:p>
             <a:r>
               <a:rPr lang="en-US" dirty="0"/>
-              <a:t>Study for Midterm Challenge – Good Luck!</a:t>
-            </a:r>
-          </a:p>
-          <a:p>
-            <a:endParaRPr lang="en-US" dirty="0"/>
-          </a:p>
-          <a:p>
-            <a:r>
-              <a:rPr lang="en-US" dirty="0"/>
-              <a:t>Due after Midterm Challenge and by Week 8 class:</a:t>
+              <a:t>Overview: </a:t>
             </a:r>
           </a:p>
           <a:p>
             <a:pPr lvl="1"/>
             <a:r>
               <a:rPr lang="en-US" dirty="0"/>
-              <a:t>Assignment 6: Elastic Beanstalk</a:t>
+              <a:t>Launch and configure an ELK stack to collect telemetry data.</a:t>
             </a:r>
           </a:p>
           <a:p>
             <a:pPr lvl="1"/>
             <a:r>
               <a:rPr lang="en-US" dirty="0"/>
-              <a:t>Watch Lecture 8 videos (wait until after Midterm)</a:t>
+              <a:t>Generate telemetry using a load testing tool.</a:t>
+            </a:r>
+          </a:p>
+          <a:p>
+            <a:pPr lvl="1"/>
+            <a:r>
+              <a:rPr lang="en-US" dirty="0"/>
+              <a:t>Analyze the telemetry data.</a:t>
             </a:r>
           </a:p>
           <a:p>
@@ -4388,124 +4371,15 @@
           <a:p>
             <a:r>
               <a:rPr lang="en-US" dirty="0"/>
-              <a:t>Please complete mid-term evaluation form.</a:t>
-            </a:r>
-          </a:p>
-        </p:txBody>
-      </p:sp>
-    </p:spTree>
-    <p:extLst>
-      <p:ext uri="{BB962C8B-B14F-4D97-AF65-F5344CB8AC3E}">
-        <p14:creationId xmlns:p14="http://schemas.microsoft.com/office/powerpoint/2010/main" val="2057519682"/>
-      </p:ext>
-    </p:extLst>
-  </p:cSld>
-  <p:clrMapOvr>
-    <a:masterClrMapping/>
-  </p:clrMapOvr>
-</p:sld>
-</file>
-
-<file path=ppt/slides/slide9.xml><?xml version="1.0" encoding="utf-8"?>
-<p:sld xmlns:a="http://schemas.openxmlformats.org/drawingml/2006/main" xmlns:r="http://schemas.openxmlformats.org/officeDocument/2006/relationships" xmlns:p="http://schemas.openxmlformats.org/presentationml/2006/main">
-  <p:cSld>
-    <p:spTree>
-      <p:nvGrpSpPr>
-        <p:cNvPr id="1" name=""/>
-        <p:cNvGrpSpPr/>
-        <p:nvPr/>
-      </p:nvGrpSpPr>
-      <p:grpSpPr>
-        <a:xfrm>
-          <a:off x="0" y="0"/>
-          <a:ext cx="0" cy="0"/>
-          <a:chOff x="0" y="0"/>
-          <a:chExt cx="0" cy="0"/>
-        </a:xfrm>
-      </p:grpSpPr>
-      <p:sp>
-        <p:nvSpPr>
-          <p:cNvPr id="2" name="Title 1">
-            <a:extLst>
-              <a:ext uri="{FF2B5EF4-FFF2-40B4-BE49-F238E27FC236}">
-                <a16:creationId xmlns:a16="http://schemas.microsoft.com/office/drawing/2014/main" id="{E13FF194-DC87-3B42-A050-6E8E5B014760}"/>
-              </a:ext>
-            </a:extLst>
-          </p:cNvPr>
-          <p:cNvSpPr>
-            <a:spLocks noGrp="1"/>
-          </p:cNvSpPr>
-          <p:nvPr>
-            <p:ph type="title"/>
-          </p:nvPr>
-        </p:nvSpPr>
-        <p:spPr/>
-        <p:txBody>
-          <a:bodyPr/>
-          <a:lstStyle/>
-          <a:p>
-            <a:r>
-              <a:rPr lang="en-US" dirty="0"/>
-              <a:t>Classroom Project</a:t>
-            </a:r>
-          </a:p>
-        </p:txBody>
-      </p:sp>
-      <p:sp>
-        <p:nvSpPr>
-          <p:cNvPr id="3" name="Content Placeholder 2">
-            <a:extLst>
-              <a:ext uri="{FF2B5EF4-FFF2-40B4-BE49-F238E27FC236}">
-                <a16:creationId xmlns:a16="http://schemas.microsoft.com/office/drawing/2014/main" id="{49A699BF-6AED-7348-9DA9-0B24E933E6E3}"/>
-              </a:ext>
-            </a:extLst>
-          </p:cNvPr>
-          <p:cNvSpPr>
-            <a:spLocks noGrp="1"/>
-          </p:cNvSpPr>
-          <p:nvPr>
-            <p:ph idx="1"/>
-          </p:nvPr>
-        </p:nvSpPr>
-        <p:spPr/>
-        <p:txBody>
-          <a:bodyPr/>
-          <a:lstStyle/>
-          <a:p>
-            <a:r>
-              <a:rPr lang="en-US" dirty="0"/>
-              <a:t>Overview: </a:t>
-            </a:r>
-          </a:p>
-          <a:p>
-            <a:pPr lvl="1"/>
-            <a:r>
-              <a:rPr lang="en-US" dirty="0"/>
-              <a:t>Launch and configure an ELK stack to collect telemetry data.</a:t>
-            </a:r>
-          </a:p>
-          <a:p>
-            <a:pPr lvl="1"/>
-            <a:r>
-              <a:rPr lang="en-US" dirty="0"/>
-              <a:t>Generate telemetry using a load testing tool.</a:t>
-            </a:r>
-          </a:p>
-          <a:p>
-            <a:pPr lvl="1"/>
-            <a:r>
-              <a:rPr lang="en-US" dirty="0"/>
-              <a:t>Analyze the telemetry data.</a:t>
-            </a:r>
-          </a:p>
-          <a:p>
-            <a:pPr lvl="1"/>
-            <a:endParaRPr lang="en-US" dirty="0"/>
-          </a:p>
-          <a:p>
-            <a:r>
-              <a:rPr lang="en-US" dirty="0"/>
-              <a:t>Tell me what you insights you discovered about the data!</a:t>
+              <a:t>Tell </a:t>
+            </a:r>
+            <a:r>
+              <a:rPr lang="en-US"/>
+              <a:t>me what </a:t>
+            </a:r>
+            <a:r>
+              <a:rPr lang="en-US" dirty="0"/>
+              <a:t>insights you discovered about the data!</a:t>
             </a:r>
           </a:p>
           <a:p>
